--- a/4주차Front.pptx
+++ b/4주차Front.pptx
@@ -18,8 +18,8 @@
     <p:sldId id="329" r:id="rId9"/>
     <p:sldId id="332" r:id="rId10"/>
     <p:sldId id="335" r:id="rId11"/>
-    <p:sldId id="336" r:id="rId12"/>
-    <p:sldId id="338" r:id="rId13"/>
+    <p:sldId id="338" r:id="rId12"/>
+    <p:sldId id="336" r:id="rId13"/>
     <p:sldId id="337" r:id="rId14"/>
     <p:sldId id="341" r:id="rId15"/>
     <p:sldId id="340" r:id="rId16"/>
@@ -20993,7 +20993,7 @@
         </p:blipFill>
         <p:spPr>
           <a:xfrm>
-            <a:off x="0" y="0"/>
+            <a:off x="0" y="-20285"/>
             <a:ext cx="9144000" cy="6858000"/>
           </a:xfrm>
           <a:prstGeom prst="rect">
@@ -21003,10 +21003,10 @@
       </p:pic>
       <p:pic>
         <p:nvPicPr>
-          <p:cNvPr id="6" name="그림 5">
+          <p:cNvPr id="9" name="그림 8">
             <a:extLst>
               <a:ext uri="{FF2B5EF4-FFF2-40B4-BE49-F238E27FC236}">
-                <a16:creationId xmlns:a16="http://schemas.microsoft.com/office/drawing/2014/main" id="{EDE84102-95B2-765B-65CE-8461E599C217}"/>
+                <a16:creationId xmlns:a16="http://schemas.microsoft.com/office/drawing/2014/main" id="{9E8526DD-94D3-4FB3-A5F3-086BB7980041}"/>
               </a:ext>
             </a:extLst>
           </p:cNvPr>
@@ -21023,14 +21023,465 @@
         </p:blipFill>
         <p:spPr>
           <a:xfrm>
-            <a:off x="1826468" y="1492941"/>
-            <a:ext cx="5491063" cy="3872117"/>
+            <a:off x="2439212" y="1038447"/>
+            <a:ext cx="4656841" cy="3413089"/>
           </a:xfrm>
           <a:prstGeom prst="rect">
             <a:avLst/>
           </a:prstGeom>
         </p:spPr>
       </p:pic>
+      <p:sp>
+        <p:nvSpPr>
+          <p:cNvPr id="12" name="화살표: 위쪽/아래쪽 11">
+            <a:extLst>
+              <a:ext uri="{FF2B5EF4-FFF2-40B4-BE49-F238E27FC236}">
+                <a16:creationId xmlns:a16="http://schemas.microsoft.com/office/drawing/2014/main" id="{74122826-4801-4196-F217-2AC0349FF9DC}"/>
+              </a:ext>
+            </a:extLst>
+          </p:cNvPr>
+          <p:cNvSpPr/>
+          <p:nvPr/>
+        </p:nvSpPr>
+        <p:spPr>
+          <a:xfrm>
+            <a:off x="2823330" y="20285"/>
+            <a:ext cx="110370" cy="997877"/>
+          </a:xfrm>
+          <a:prstGeom prst="upDownArrow">
+            <a:avLst/>
+          </a:prstGeom>
+          <a:solidFill>
+            <a:srgbClr val="00B0F0"/>
+          </a:solidFill>
+          <a:ln>
+            <a:solidFill>
+              <a:srgbClr val="00B0F0"/>
+            </a:solidFill>
+          </a:ln>
+        </p:spPr>
+        <p:style>
+          <a:lnRef idx="2">
+            <a:schemeClr val="accent1">
+              <a:shade val="50000"/>
+            </a:schemeClr>
+          </a:lnRef>
+          <a:fillRef idx="1">
+            <a:schemeClr val="accent1"/>
+          </a:fillRef>
+          <a:effectRef idx="0">
+            <a:schemeClr val="accent1"/>
+          </a:effectRef>
+          <a:fontRef idx="minor">
+            <a:schemeClr val="lt1"/>
+          </a:fontRef>
+        </p:style>
+        <p:txBody>
+          <a:bodyPr rtlCol="0" anchor="ctr"/>
+          <a:lstStyle/>
+          <a:p>
+            <a:pPr algn="ctr"/>
+            <a:endParaRPr lang="ko-KR" altLang="en-US"/>
+          </a:p>
+        </p:txBody>
+      </p:sp>
+      <p:sp>
+        <p:nvSpPr>
+          <p:cNvPr id="13" name="화살표: 위쪽/아래쪽 12">
+            <a:extLst>
+              <a:ext uri="{FF2B5EF4-FFF2-40B4-BE49-F238E27FC236}">
+                <a16:creationId xmlns:a16="http://schemas.microsoft.com/office/drawing/2014/main" id="{44CDCDED-0AEB-DB4D-D5D3-8E22B8E246A6}"/>
+              </a:ext>
+            </a:extLst>
+          </p:cNvPr>
+          <p:cNvSpPr/>
+          <p:nvPr/>
+        </p:nvSpPr>
+        <p:spPr>
+          <a:xfrm>
+            <a:off x="4333922" y="1038446"/>
+            <a:ext cx="94320" cy="442603"/>
+          </a:xfrm>
+          <a:prstGeom prst="upDownArrow">
+            <a:avLst/>
+          </a:prstGeom>
+          <a:solidFill>
+            <a:srgbClr val="FF0000"/>
+          </a:solidFill>
+          <a:ln>
+            <a:solidFill>
+              <a:srgbClr val="FF0000"/>
+            </a:solidFill>
+          </a:ln>
+        </p:spPr>
+        <p:style>
+          <a:lnRef idx="2">
+            <a:schemeClr val="accent1">
+              <a:shade val="50000"/>
+            </a:schemeClr>
+          </a:lnRef>
+          <a:fillRef idx="1">
+            <a:schemeClr val="accent1"/>
+          </a:fillRef>
+          <a:effectRef idx="0">
+            <a:schemeClr val="accent1"/>
+          </a:effectRef>
+          <a:fontRef idx="minor">
+            <a:schemeClr val="lt1"/>
+          </a:fontRef>
+        </p:style>
+        <p:txBody>
+          <a:bodyPr rtlCol="0" anchor="ctr"/>
+          <a:lstStyle/>
+          <a:p>
+            <a:pPr algn="ctr"/>
+            <a:endParaRPr lang="ko-KR" altLang="en-US">
+              <a:solidFill>
+                <a:schemeClr val="bg1"/>
+              </a:solidFill>
+            </a:endParaRPr>
+          </a:p>
+        </p:txBody>
+      </p:sp>
+      <p:sp>
+        <p:nvSpPr>
+          <p:cNvPr id="14" name="화살표: 위쪽/아래쪽 13">
+            <a:extLst>
+              <a:ext uri="{FF2B5EF4-FFF2-40B4-BE49-F238E27FC236}">
+                <a16:creationId xmlns:a16="http://schemas.microsoft.com/office/drawing/2014/main" id="{1A854BCE-7A81-08DB-0947-9BC71B4CB496}"/>
+              </a:ext>
+            </a:extLst>
+          </p:cNvPr>
+          <p:cNvSpPr/>
+          <p:nvPr/>
+        </p:nvSpPr>
+        <p:spPr>
+          <a:xfrm>
+            <a:off x="4910736" y="20285"/>
+            <a:ext cx="229229" cy="1460765"/>
+          </a:xfrm>
+          <a:prstGeom prst="upDownArrow">
+            <a:avLst/>
+          </a:prstGeom>
+          <a:solidFill>
+            <a:srgbClr val="FFFF99"/>
+          </a:solidFill>
+          <a:ln>
+            <a:solidFill>
+              <a:srgbClr val="FFFF00"/>
+            </a:solidFill>
+          </a:ln>
+        </p:spPr>
+        <p:style>
+          <a:lnRef idx="2">
+            <a:schemeClr val="accent1">
+              <a:shade val="50000"/>
+            </a:schemeClr>
+          </a:lnRef>
+          <a:fillRef idx="1">
+            <a:schemeClr val="accent1"/>
+          </a:fillRef>
+          <a:effectRef idx="0">
+            <a:schemeClr val="accent1"/>
+          </a:effectRef>
+          <a:fontRef idx="minor">
+            <a:schemeClr val="lt1"/>
+          </a:fontRef>
+        </p:style>
+        <p:txBody>
+          <a:bodyPr rtlCol="0" anchor="ctr"/>
+          <a:lstStyle/>
+          <a:p>
+            <a:pPr algn="ctr"/>
+            <a:endParaRPr lang="ko-KR" altLang="en-US"/>
+          </a:p>
+        </p:txBody>
+      </p:sp>
+      <p:sp>
+        <p:nvSpPr>
+          <p:cNvPr id="15" name="TextBox 14">
+            <a:extLst>
+              <a:ext uri="{FF2B5EF4-FFF2-40B4-BE49-F238E27FC236}">
+                <a16:creationId xmlns:a16="http://schemas.microsoft.com/office/drawing/2014/main" id="{6B9C657B-B5B7-8D03-D964-E411C4E87C4F}"/>
+              </a:ext>
+            </a:extLst>
+          </p:cNvPr>
+          <p:cNvSpPr txBox="1"/>
+          <p:nvPr/>
+        </p:nvSpPr>
+        <p:spPr>
+          <a:xfrm>
+            <a:off x="1531620" y="152400"/>
+            <a:ext cx="922020" cy="400110"/>
+          </a:xfrm>
+          <a:prstGeom prst="rect">
+            <a:avLst/>
+          </a:prstGeom>
+          <a:noFill/>
+        </p:spPr>
+        <p:txBody>
+          <a:bodyPr wrap="square" rtlCol="0">
+            <a:spAutoFit/>
+          </a:bodyPr>
+          <a:lstStyle/>
+          <a:p>
+            <a:r>
+              <a:rPr lang="en-US" altLang="ko-KR" sz="2000" dirty="0">
+                <a:solidFill>
+                  <a:srgbClr val="7030A0"/>
+                </a:solidFill>
+              </a:rPr>
+              <a:t>HTML</a:t>
+            </a:r>
+            <a:endParaRPr lang="ko-KR" altLang="en-US" sz="2000" dirty="0">
+              <a:solidFill>
+                <a:srgbClr val="7030A0"/>
+              </a:solidFill>
+            </a:endParaRPr>
+          </a:p>
+        </p:txBody>
+      </p:sp>
+      <p:sp>
+        <p:nvSpPr>
+          <p:cNvPr id="16" name="TextBox 15">
+            <a:extLst>
+              <a:ext uri="{FF2B5EF4-FFF2-40B4-BE49-F238E27FC236}">
+                <a16:creationId xmlns:a16="http://schemas.microsoft.com/office/drawing/2014/main" id="{E8534270-935D-7791-0F94-C29C2228D372}"/>
+              </a:ext>
+            </a:extLst>
+          </p:cNvPr>
+          <p:cNvSpPr txBox="1"/>
+          <p:nvPr/>
+        </p:nvSpPr>
+        <p:spPr>
+          <a:xfrm>
+            <a:off x="2437365" y="1031521"/>
+            <a:ext cx="1253765" cy="400110"/>
+          </a:xfrm>
+          <a:prstGeom prst="rect">
+            <a:avLst/>
+          </a:prstGeom>
+          <a:noFill/>
+        </p:spPr>
+        <p:txBody>
+          <a:bodyPr wrap="square" rtlCol="0">
+            <a:spAutoFit/>
+          </a:bodyPr>
+          <a:lstStyle/>
+          <a:p>
+            <a:r>
+              <a:rPr lang="en-US" altLang="ko-KR" sz="2000" dirty="0" err="1">
+                <a:solidFill>
+                  <a:srgbClr val="FFC000"/>
+                </a:solidFill>
+              </a:rPr>
+              <a:t>viewPort</a:t>
+            </a:r>
+            <a:endParaRPr lang="ko-KR" altLang="en-US" sz="2000" dirty="0">
+              <a:solidFill>
+                <a:srgbClr val="FFC000"/>
+              </a:solidFill>
+            </a:endParaRPr>
+          </a:p>
+        </p:txBody>
+      </p:sp>
+      <p:sp>
+        <p:nvSpPr>
+          <p:cNvPr id="17" name="TextBox 16">
+            <a:extLst>
+              <a:ext uri="{FF2B5EF4-FFF2-40B4-BE49-F238E27FC236}">
+                <a16:creationId xmlns:a16="http://schemas.microsoft.com/office/drawing/2014/main" id="{9F9B60BF-A2EE-86BA-36FD-16CBE2B5498B}"/>
+              </a:ext>
+            </a:extLst>
+          </p:cNvPr>
+          <p:cNvSpPr txBox="1"/>
+          <p:nvPr/>
+        </p:nvSpPr>
+        <p:spPr>
+          <a:xfrm>
+            <a:off x="2878515" y="329310"/>
+            <a:ext cx="4346962" cy="400110"/>
+          </a:xfrm>
+          <a:prstGeom prst="rect">
+            <a:avLst/>
+          </a:prstGeom>
+          <a:noFill/>
+        </p:spPr>
+        <p:txBody>
+          <a:bodyPr wrap="square" rtlCol="0">
+            <a:spAutoFit/>
+          </a:bodyPr>
+          <a:lstStyle/>
+          <a:p>
+            <a:r>
+              <a:rPr lang="ko-KR" altLang="en-US" sz="1000" dirty="0">
+                <a:solidFill>
+                  <a:srgbClr val="00B0F0"/>
+                </a:solidFill>
+              </a:rPr>
+              <a:t>아래로 스크롤한 만큼의 거리</a:t>
+            </a:r>
+            <a:endParaRPr lang="en-US" altLang="ko-KR" sz="1000" dirty="0">
+              <a:solidFill>
+                <a:srgbClr val="00B0F0"/>
+              </a:solidFill>
+            </a:endParaRPr>
+          </a:p>
+          <a:p>
+            <a:r>
+              <a:rPr lang="en-US" altLang="ko-KR" sz="1000" dirty="0" err="1">
+                <a:solidFill>
+                  <a:srgbClr val="00B0F0"/>
+                </a:solidFill>
+              </a:rPr>
+              <a:t>Window.pageYOffset</a:t>
+            </a:r>
+            <a:endParaRPr lang="ko-KR" altLang="en-US" sz="1000" dirty="0">
+              <a:solidFill>
+                <a:srgbClr val="00B0F0"/>
+              </a:solidFill>
+            </a:endParaRPr>
+          </a:p>
+        </p:txBody>
+      </p:sp>
+      <p:sp>
+        <p:nvSpPr>
+          <p:cNvPr id="18" name="TextBox 17">
+            <a:extLst>
+              <a:ext uri="{FF2B5EF4-FFF2-40B4-BE49-F238E27FC236}">
+                <a16:creationId xmlns:a16="http://schemas.microsoft.com/office/drawing/2014/main" id="{1D5CDA68-1DA6-799E-CD5D-7E7C449212CB}"/>
+              </a:ext>
+            </a:extLst>
+          </p:cNvPr>
+          <p:cNvSpPr txBox="1"/>
+          <p:nvPr/>
+        </p:nvSpPr>
+        <p:spPr>
+          <a:xfrm>
+            <a:off x="2320566" y="1546514"/>
+            <a:ext cx="3177788" cy="369332"/>
+          </a:xfrm>
+          <a:prstGeom prst="rect">
+            <a:avLst/>
+          </a:prstGeom>
+          <a:noFill/>
+        </p:spPr>
+        <p:txBody>
+          <a:bodyPr wrap="square" rtlCol="0">
+            <a:spAutoFit/>
+          </a:bodyPr>
+          <a:lstStyle/>
+          <a:p>
+            <a:r>
+              <a:rPr lang="ko-KR" altLang="en-US" sz="900" dirty="0" err="1">
+                <a:solidFill>
+                  <a:srgbClr val="FF0000"/>
+                </a:solidFill>
+              </a:rPr>
+              <a:t>뷰포트</a:t>
+            </a:r>
+            <a:r>
+              <a:rPr lang="ko-KR" altLang="en-US" sz="900" dirty="0">
+                <a:solidFill>
+                  <a:srgbClr val="FF0000"/>
+                </a:solidFill>
+              </a:rPr>
+              <a:t> 시작점과 </a:t>
+            </a:r>
+            <a:r>
+              <a:rPr lang="en-US" altLang="ko-KR" sz="900" dirty="0">
+                <a:solidFill>
+                  <a:srgbClr val="FF0000"/>
+                </a:solidFill>
+              </a:rPr>
+              <a:t>child</a:t>
+            </a:r>
+            <a:r>
+              <a:rPr lang="ko-KR" altLang="en-US" sz="900" dirty="0">
+                <a:solidFill>
+                  <a:srgbClr val="FF0000"/>
+                </a:solidFill>
+              </a:rPr>
+              <a:t>와의 거리</a:t>
+            </a:r>
+            <a:endParaRPr lang="en-US" altLang="ko-KR" sz="900" dirty="0">
+              <a:solidFill>
+                <a:srgbClr val="FF0000"/>
+              </a:solidFill>
+            </a:endParaRPr>
+          </a:p>
+          <a:p>
+            <a:r>
+              <a:rPr lang="en-US" altLang="ko-KR" sz="900" dirty="0" err="1">
+                <a:solidFill>
+                  <a:srgbClr val="FF0000"/>
+                </a:solidFill>
+              </a:rPr>
+              <a:t>Child.getBoundingClientReact</a:t>
+            </a:r>
+            <a:r>
+              <a:rPr lang="en-US" altLang="ko-KR" sz="900" dirty="0">
+                <a:solidFill>
+                  <a:srgbClr val="FF0000"/>
+                </a:solidFill>
+              </a:rPr>
+              <a:t>().top</a:t>
+            </a:r>
+            <a:endParaRPr lang="ko-KR" altLang="en-US" sz="900" dirty="0">
+              <a:solidFill>
+                <a:srgbClr val="FF0000"/>
+              </a:solidFill>
+            </a:endParaRPr>
+          </a:p>
+        </p:txBody>
+      </p:sp>
+      <p:sp>
+        <p:nvSpPr>
+          <p:cNvPr id="19" name="TextBox 18">
+            <a:extLst>
+              <a:ext uri="{FF2B5EF4-FFF2-40B4-BE49-F238E27FC236}">
+                <a16:creationId xmlns:a16="http://schemas.microsoft.com/office/drawing/2014/main" id="{1F43C578-AF36-FFB2-7F53-457C55B5ACD1}"/>
+              </a:ext>
+            </a:extLst>
+          </p:cNvPr>
+          <p:cNvSpPr txBox="1"/>
+          <p:nvPr/>
+        </p:nvSpPr>
+        <p:spPr>
+          <a:xfrm>
+            <a:off x="5139965" y="510053"/>
+            <a:ext cx="4346962" cy="246221"/>
+          </a:xfrm>
+          <a:prstGeom prst="rect">
+            <a:avLst/>
+          </a:prstGeom>
+          <a:noFill/>
+        </p:spPr>
+        <p:txBody>
+          <a:bodyPr wrap="square" rtlCol="0">
+            <a:spAutoFit/>
+          </a:bodyPr>
+          <a:lstStyle/>
+          <a:p>
+            <a:r>
+              <a:rPr lang="en-US" altLang="ko-KR" sz="1000" dirty="0">
+                <a:solidFill>
+                  <a:schemeClr val="bg1"/>
+                </a:solidFill>
+              </a:rPr>
+              <a:t>HTML </a:t>
+            </a:r>
+            <a:r>
+              <a:rPr lang="ko-KR" altLang="en-US" sz="1000" dirty="0">
+                <a:solidFill>
+                  <a:schemeClr val="bg1"/>
+                </a:solidFill>
+              </a:rPr>
+              <a:t>시작점으로부터의 거리</a:t>
+            </a:r>
+          </a:p>
+        </p:txBody>
+      </p:sp>
     </p:spTree>
     <p:extLst>
       <p:ext uri="{BB962C8B-B14F-4D97-AF65-F5344CB8AC3E}">
@@ -21041,6 +21492,324 @@
   <p:clrMapOvr>
     <a:masterClrMapping/>
   </p:clrMapOvr>
+  <p:timing>
+    <p:tnLst>
+      <p:par>
+        <p:cTn id="1" dur="indefinite" restart="never" nodeType="tmRoot">
+          <p:childTnLst>
+            <p:seq concurrent="1" nextAc="seek">
+              <p:cTn id="2" dur="indefinite" nodeType="mainSeq">
+                <p:childTnLst>
+                  <p:par>
+                    <p:cTn id="3" fill="hold">
+                      <p:stCondLst>
+                        <p:cond delay="indefinite"/>
+                      </p:stCondLst>
+                      <p:childTnLst>
+                        <p:par>
+                          <p:cTn id="4" fill="hold">
+                            <p:stCondLst>
+                              <p:cond delay="0"/>
+                            </p:stCondLst>
+                            <p:childTnLst>
+                              <p:par>
+                                <p:cTn id="5" presetID="1" presetClass="entr" presetSubtype="0" fill="hold" grpId="0" nodeType="clickEffect">
+                                  <p:stCondLst>
+                                    <p:cond delay="0"/>
+                                  </p:stCondLst>
+                                  <p:childTnLst>
+                                    <p:set>
+                                      <p:cBhvr>
+                                        <p:cTn id="6" dur="1" fill="hold">
+                                          <p:stCondLst>
+                                            <p:cond delay="0"/>
+                                          </p:stCondLst>
+                                        </p:cTn>
+                                        <p:tgtEl>
+                                          <p:spTgt spid="16"/>
+                                        </p:tgtEl>
+                                        <p:attrNameLst>
+                                          <p:attrName>style.visibility</p:attrName>
+                                        </p:attrNameLst>
+                                      </p:cBhvr>
+                                      <p:to>
+                                        <p:strVal val="visible"/>
+                                      </p:to>
+                                    </p:set>
+                                  </p:childTnLst>
+                                </p:cTn>
+                              </p:par>
+                            </p:childTnLst>
+                          </p:cTn>
+                        </p:par>
+                      </p:childTnLst>
+                    </p:cTn>
+                  </p:par>
+                  <p:par>
+                    <p:cTn id="7" fill="hold">
+                      <p:stCondLst>
+                        <p:cond delay="indefinite"/>
+                      </p:stCondLst>
+                      <p:childTnLst>
+                        <p:par>
+                          <p:cTn id="8" fill="hold">
+                            <p:stCondLst>
+                              <p:cond delay="0"/>
+                            </p:stCondLst>
+                            <p:childTnLst>
+                              <p:par>
+                                <p:cTn id="9" presetID="1" presetClass="entr" presetSubtype="0" fill="hold" grpId="0" nodeType="clickEffect">
+                                  <p:stCondLst>
+                                    <p:cond delay="0"/>
+                                  </p:stCondLst>
+                                  <p:childTnLst>
+                                    <p:set>
+                                      <p:cBhvr>
+                                        <p:cTn id="10" dur="1" fill="hold">
+                                          <p:stCondLst>
+                                            <p:cond delay="0"/>
+                                          </p:stCondLst>
+                                        </p:cTn>
+                                        <p:tgtEl>
+                                          <p:spTgt spid="12"/>
+                                        </p:tgtEl>
+                                        <p:attrNameLst>
+                                          <p:attrName>style.visibility</p:attrName>
+                                        </p:attrNameLst>
+                                      </p:cBhvr>
+                                      <p:to>
+                                        <p:strVal val="visible"/>
+                                      </p:to>
+                                    </p:set>
+                                  </p:childTnLst>
+                                </p:cTn>
+                              </p:par>
+                            </p:childTnLst>
+                          </p:cTn>
+                        </p:par>
+                      </p:childTnLst>
+                    </p:cTn>
+                  </p:par>
+                  <p:par>
+                    <p:cTn id="11" fill="hold">
+                      <p:stCondLst>
+                        <p:cond delay="indefinite"/>
+                      </p:stCondLst>
+                      <p:childTnLst>
+                        <p:par>
+                          <p:cTn id="12" fill="hold">
+                            <p:stCondLst>
+                              <p:cond delay="0"/>
+                            </p:stCondLst>
+                            <p:childTnLst>
+                              <p:par>
+                                <p:cTn id="13" presetID="1" presetClass="entr" presetSubtype="0" fill="hold" grpId="0" nodeType="clickEffect">
+                                  <p:stCondLst>
+                                    <p:cond delay="0"/>
+                                  </p:stCondLst>
+                                  <p:childTnLst>
+                                    <p:set>
+                                      <p:cBhvr>
+                                        <p:cTn id="14" dur="1" fill="hold">
+                                          <p:stCondLst>
+                                            <p:cond delay="0"/>
+                                          </p:stCondLst>
+                                        </p:cTn>
+                                        <p:tgtEl>
+                                          <p:spTgt spid="17"/>
+                                        </p:tgtEl>
+                                        <p:attrNameLst>
+                                          <p:attrName>style.visibility</p:attrName>
+                                        </p:attrNameLst>
+                                      </p:cBhvr>
+                                      <p:to>
+                                        <p:strVal val="visible"/>
+                                      </p:to>
+                                    </p:set>
+                                  </p:childTnLst>
+                                </p:cTn>
+                              </p:par>
+                            </p:childTnLst>
+                          </p:cTn>
+                        </p:par>
+                      </p:childTnLst>
+                    </p:cTn>
+                  </p:par>
+                  <p:par>
+                    <p:cTn id="15" fill="hold">
+                      <p:stCondLst>
+                        <p:cond delay="indefinite"/>
+                      </p:stCondLst>
+                      <p:childTnLst>
+                        <p:par>
+                          <p:cTn id="16" fill="hold">
+                            <p:stCondLst>
+                              <p:cond delay="0"/>
+                            </p:stCondLst>
+                            <p:childTnLst>
+                              <p:par>
+                                <p:cTn id="17" presetID="1" presetClass="entr" presetSubtype="0" fill="hold" grpId="0" nodeType="clickEffect">
+                                  <p:stCondLst>
+                                    <p:cond delay="0"/>
+                                  </p:stCondLst>
+                                  <p:childTnLst>
+                                    <p:set>
+                                      <p:cBhvr>
+                                        <p:cTn id="18" dur="1" fill="hold">
+                                          <p:stCondLst>
+                                            <p:cond delay="0"/>
+                                          </p:stCondLst>
+                                        </p:cTn>
+                                        <p:tgtEl>
+                                          <p:spTgt spid="13"/>
+                                        </p:tgtEl>
+                                        <p:attrNameLst>
+                                          <p:attrName>style.visibility</p:attrName>
+                                        </p:attrNameLst>
+                                      </p:cBhvr>
+                                      <p:to>
+                                        <p:strVal val="visible"/>
+                                      </p:to>
+                                    </p:set>
+                                  </p:childTnLst>
+                                </p:cTn>
+                              </p:par>
+                              <p:par>
+                                <p:cTn id="19" presetID="1" presetClass="entr" presetSubtype="0" fill="hold" grpId="0" nodeType="withEffect">
+                                  <p:stCondLst>
+                                    <p:cond delay="0"/>
+                                  </p:stCondLst>
+                                  <p:childTnLst>
+                                    <p:set>
+                                      <p:cBhvr>
+                                        <p:cTn id="20" dur="1" fill="hold">
+                                          <p:stCondLst>
+                                            <p:cond delay="0"/>
+                                          </p:stCondLst>
+                                        </p:cTn>
+                                        <p:tgtEl>
+                                          <p:spTgt spid="18"/>
+                                        </p:tgtEl>
+                                        <p:attrNameLst>
+                                          <p:attrName>style.visibility</p:attrName>
+                                        </p:attrNameLst>
+                                      </p:cBhvr>
+                                      <p:to>
+                                        <p:strVal val="visible"/>
+                                      </p:to>
+                                    </p:set>
+                                  </p:childTnLst>
+                                </p:cTn>
+                              </p:par>
+                            </p:childTnLst>
+                          </p:cTn>
+                        </p:par>
+                      </p:childTnLst>
+                    </p:cTn>
+                  </p:par>
+                  <p:par>
+                    <p:cTn id="21" fill="hold">
+                      <p:stCondLst>
+                        <p:cond delay="indefinite"/>
+                      </p:stCondLst>
+                      <p:childTnLst>
+                        <p:par>
+                          <p:cTn id="22" fill="hold">
+                            <p:stCondLst>
+                              <p:cond delay="0"/>
+                            </p:stCondLst>
+                            <p:childTnLst>
+                              <p:par>
+                                <p:cTn id="23" presetID="1" presetClass="entr" presetSubtype="0" fill="hold" grpId="0" nodeType="clickEffect">
+                                  <p:stCondLst>
+                                    <p:cond delay="0"/>
+                                  </p:stCondLst>
+                                  <p:childTnLst>
+                                    <p:set>
+                                      <p:cBhvr>
+                                        <p:cTn id="24" dur="1" fill="hold">
+                                          <p:stCondLst>
+                                            <p:cond delay="0"/>
+                                          </p:stCondLst>
+                                        </p:cTn>
+                                        <p:tgtEl>
+                                          <p:spTgt spid="14"/>
+                                        </p:tgtEl>
+                                        <p:attrNameLst>
+                                          <p:attrName>style.visibility</p:attrName>
+                                        </p:attrNameLst>
+                                      </p:cBhvr>
+                                      <p:to>
+                                        <p:strVal val="visible"/>
+                                      </p:to>
+                                    </p:set>
+                                  </p:childTnLst>
+                                </p:cTn>
+                              </p:par>
+                              <p:par>
+                                <p:cTn id="25" presetID="1" presetClass="entr" presetSubtype="0" fill="hold" grpId="0" nodeType="withEffect">
+                                  <p:stCondLst>
+                                    <p:cond delay="0"/>
+                                  </p:stCondLst>
+                                  <p:childTnLst>
+                                    <p:set>
+                                      <p:cBhvr>
+                                        <p:cTn id="26" dur="1" fill="hold">
+                                          <p:stCondLst>
+                                            <p:cond delay="0"/>
+                                          </p:stCondLst>
+                                        </p:cTn>
+                                        <p:tgtEl>
+                                          <p:spTgt spid="19"/>
+                                        </p:tgtEl>
+                                        <p:attrNameLst>
+                                          <p:attrName>style.visibility</p:attrName>
+                                        </p:attrNameLst>
+                                      </p:cBhvr>
+                                      <p:to>
+                                        <p:strVal val="visible"/>
+                                      </p:to>
+                                    </p:set>
+                                  </p:childTnLst>
+                                </p:cTn>
+                              </p:par>
+                            </p:childTnLst>
+                          </p:cTn>
+                        </p:par>
+                      </p:childTnLst>
+                    </p:cTn>
+                  </p:par>
+                </p:childTnLst>
+              </p:cTn>
+              <p:prevCondLst>
+                <p:cond evt="onPrev" delay="0">
+                  <p:tgtEl>
+                    <p:sldTgt/>
+                  </p:tgtEl>
+                </p:cond>
+              </p:prevCondLst>
+              <p:nextCondLst>
+                <p:cond evt="onNext" delay="0">
+                  <p:tgtEl>
+                    <p:sldTgt/>
+                  </p:tgtEl>
+                </p:cond>
+              </p:nextCondLst>
+            </p:seq>
+          </p:childTnLst>
+        </p:cTn>
+      </p:par>
+    </p:tnLst>
+    <p:bldLst>
+      <p:bldP spid="12" grpId="0" animBg="1"/>
+      <p:bldP spid="13" grpId="0" animBg="1"/>
+      <p:bldP spid="14" grpId="0" animBg="1"/>
+      <p:bldP spid="16" grpId="0"/>
+      <p:bldP spid="17" grpId="0"/>
+      <p:bldP spid="18" grpId="0"/>
+      <p:bldP spid="19" grpId="0"/>
+    </p:bldLst>
+  </p:timing>
 </p:sld>
 </file>
 
@@ -21176,7 +21945,7 @@
           <p:cNvPr id="7" name="그림 6">
             <a:extLst>
               <a:ext uri="{FF2B5EF4-FFF2-40B4-BE49-F238E27FC236}">
-                <a16:creationId xmlns:a16="http://schemas.microsoft.com/office/drawing/2014/main" id="{7CB07118-1F84-9F68-2C78-F09F2E51F485}"/>
+                <a16:creationId xmlns:a16="http://schemas.microsoft.com/office/drawing/2014/main" id="{5F71C229-1A77-E835-8D38-6E02B12A7253}"/>
               </a:ext>
             </a:extLst>
           </p:cNvPr>
@@ -21193,8 +21962,8 @@
         </p:blipFill>
         <p:spPr>
           <a:xfrm>
-            <a:off x="875784" y="2819315"/>
-            <a:ext cx="7392432" cy="1219370"/>
+            <a:off x="2050159" y="2837469"/>
+            <a:ext cx="5043682" cy="953532"/>
           </a:xfrm>
           <a:prstGeom prst="rect">
             <a:avLst/>
@@ -21204,7 +21973,7 @@
     </p:spTree>
     <p:extLst>
       <p:ext uri="{BB962C8B-B14F-4D97-AF65-F5344CB8AC3E}">
-        <p14:creationId xmlns:p14="http://schemas.microsoft.com/office/powerpoint/2010/main" val="334573372"/>
+        <p14:creationId xmlns:p14="http://schemas.microsoft.com/office/powerpoint/2010/main" val="773198969"/>
       </p:ext>
     </p:extLst>
   </p:cSld>
@@ -21346,7 +22115,7 @@
           <p:cNvPr id="6" name="그림 5">
             <a:extLst>
               <a:ext uri="{FF2B5EF4-FFF2-40B4-BE49-F238E27FC236}">
-                <a16:creationId xmlns:a16="http://schemas.microsoft.com/office/drawing/2014/main" id="{C095C355-A336-5F23-E8DB-73C6023600F9}"/>
+                <a16:creationId xmlns:a16="http://schemas.microsoft.com/office/drawing/2014/main" id="{6E8271DC-A6E4-2E3B-1B52-245B6543FFB2}"/>
               </a:ext>
             </a:extLst>
           </p:cNvPr>
@@ -21363,8 +22132,8 @@
         </p:blipFill>
         <p:spPr>
           <a:xfrm>
-            <a:off x="1109179" y="2719288"/>
-            <a:ext cx="6925642" cy="1419423"/>
+            <a:off x="2166602" y="2995552"/>
+            <a:ext cx="4810796" cy="866896"/>
           </a:xfrm>
           <a:prstGeom prst="rect">
             <a:avLst/>
@@ -21374,7 +22143,7 @@
     </p:spTree>
     <p:extLst>
       <p:ext uri="{BB962C8B-B14F-4D97-AF65-F5344CB8AC3E}">
-        <p14:creationId xmlns:p14="http://schemas.microsoft.com/office/powerpoint/2010/main" val="773198969"/>
+        <p14:creationId xmlns:p14="http://schemas.microsoft.com/office/powerpoint/2010/main" val="334573372"/>
       </p:ext>
     </p:extLst>
   </p:cSld>
@@ -21513,10 +22282,10 @@
       </p:pic>
       <p:pic>
         <p:nvPicPr>
-          <p:cNvPr id="6" name="그림 5">
+          <p:cNvPr id="7" name="그림 6">
             <a:extLst>
               <a:ext uri="{FF2B5EF4-FFF2-40B4-BE49-F238E27FC236}">
-                <a16:creationId xmlns:a16="http://schemas.microsoft.com/office/drawing/2014/main" id="{E1CA8841-8D6B-6922-45AE-4610D0339D7C}"/>
+                <a16:creationId xmlns:a16="http://schemas.microsoft.com/office/drawing/2014/main" id="{914C98CA-4442-4C62-E051-6F403323297E}"/>
               </a:ext>
             </a:extLst>
           </p:cNvPr>
@@ -21533,8 +22302,8 @@
         </p:blipFill>
         <p:spPr>
           <a:xfrm>
-            <a:off x="867266" y="2811867"/>
-            <a:ext cx="7409468" cy="1537672"/>
+            <a:off x="1928443" y="3109868"/>
+            <a:ext cx="5287113" cy="638264"/>
           </a:xfrm>
           <a:prstGeom prst="rect">
             <a:avLst/>
@@ -21683,10 +22452,10 @@
       </p:pic>
       <p:pic>
         <p:nvPicPr>
-          <p:cNvPr id="6" name="그림 5">
+          <p:cNvPr id="7" name="그림 6">
             <a:extLst>
               <a:ext uri="{FF2B5EF4-FFF2-40B4-BE49-F238E27FC236}">
-                <a16:creationId xmlns:a16="http://schemas.microsoft.com/office/drawing/2014/main" id="{E6C820CA-E4F3-BFE8-875B-03193349A376}"/>
+                <a16:creationId xmlns:a16="http://schemas.microsoft.com/office/drawing/2014/main" id="{9336032B-3420-1681-363E-E0C975DB3933}"/>
               </a:ext>
             </a:extLst>
           </p:cNvPr>
@@ -21703,8 +22472,8 @@
         </p:blipFill>
         <p:spPr>
           <a:xfrm>
-            <a:off x="1697593" y="1727021"/>
-            <a:ext cx="5748814" cy="3787660"/>
+            <a:off x="1599785" y="1104575"/>
+            <a:ext cx="5944430" cy="4648849"/>
           </a:xfrm>
           <a:prstGeom prst="rect">
             <a:avLst/>
